--- a/Capstone-presentation.pptx
+++ b/Capstone-presentation.pptx
@@ -113,6 +113,11 @@
       </a:defRPr>
     </a:lvl9pPr>
   </p:defaultTextStyle>
+  <p:extLst>
+    <p:ext uri="{EFAFB233-063F-42B5-8137-9DF3F51BA10A}">
+      <p15:sldGuideLst xmlns:p15="http://schemas.microsoft.com/office/powerpoint/2012/main"/>
+    </p:ext>
+  </p:extLst>
 </p:presentation>
 </file>
 
@@ -3685,10 +3690,51 @@
         </p:nvSpPr>
         <p:spPr/>
         <p:txBody>
-          <a:bodyPr/>
-          <a:lstStyle/>
-          <a:p>
-            <a:endParaRPr lang="fr-FR"/>
+          <a:bodyPr>
+            <a:normAutofit fontScale="62500" lnSpcReduction="20000"/>
+          </a:bodyPr>
+          <a:lstStyle/>
+          <a:p>
+            <a:r>
+              <a:rPr lang="en-US" b="1" dirty="0"/>
+              <a:t>IBM Data Science Professional Certificate</a:t>
+            </a:r>
+            <a:endParaRPr lang="fr-FR" dirty="0"/>
+          </a:p>
+          <a:p>
+            <a:r>
+              <a:rPr lang="en-US" b="1" dirty="0"/>
+              <a:t>Applied Data Science Capstone </a:t>
+            </a:r>
+          </a:p>
+          <a:p>
+            <a:r>
+              <a:rPr lang="en-US" b="1" dirty="0"/>
+              <a:t>By Samson </a:t>
+            </a:r>
+            <a:r>
+              <a:rPr lang="en-US" b="1" dirty="0" err="1"/>
+              <a:t>JULESJuly</a:t>
+            </a:r>
+            <a:r>
+              <a:rPr lang="en-US" b="1" dirty="0"/>
+              <a:t> 4</a:t>
+            </a:r>
+            <a:r>
+              <a:rPr lang="en-US" b="1" baseline="30000" dirty="0"/>
+              <a:t>th</a:t>
+            </a:r>
+            <a:r>
+              <a:rPr lang="en-US" b="1" dirty="0"/>
+              <a:t>, 2020</a:t>
+            </a:r>
+            <a:endParaRPr lang="fr-FR" dirty="0"/>
+          </a:p>
+          <a:p>
+            <a:endParaRPr lang="fr-FR" dirty="0"/>
+          </a:p>
+          <a:p>
+            <a:endParaRPr lang="fr-FR" dirty="0"/>
           </a:p>
         </p:txBody>
       </p:sp>
